--- a/presentations/executive_presentation.pptx
+++ b/presentations/executive_presentation.pptx
@@ -217,7 +217,7 @@
           </a:lstStyle>
           <a:p>
             <a:fld id="{DE7F3876-7BB5-4C2F-9277-5029908B29C6}" type="datetimeFigureOut">
-              <a:t>4/8/2024</a:t>
+              <a:t>11/6/2024</a:t>
             </a:fld>
             <a:endParaRPr lang="en-US"/>
           </a:p>
@@ -552,7 +552,7 @@
           <a:lstStyle/>
           <a:p>
             <a:fld id="{A1D96B7A-787B-49B0-9F9D-B82142D65D87}" type="slidenum">
-              <a:t>4</a:t>
+              <a:t>5</a:t>
             </a:fld>
             <a:endParaRPr lang="en-US"/>
           </a:p>
@@ -682,7 +682,7 @@
           <a:lstStyle/>
           <a:p>
             <a:fld id="{A1D96B7A-787B-49B0-9F9D-B82142D65D87}" type="slidenum">
-              <a:t>9</a:t>
+              <a:t>10</a:t>
             </a:fld>
             <a:endParaRPr lang="en-US"/>
           </a:p>
@@ -851,7 +851,7 @@
           <a:p>
             <a:fld id="{81B8F32D-D8B6-4B9E-9CBF-DCAC30B7B93D}" type="datetimeFigureOut">
               <a:rPr lang="en-US" smtClean="0"/>
-              <a:t>4/8/2024</a:t>
+              <a:t>11/6/2024</a:t>
             </a:fld>
             <a:endParaRPr lang="en-US"/>
           </a:p>
@@ -1177,7 +1177,7 @@
           <a:p>
             <a:fld id="{81B8F32D-D8B6-4B9E-9CBF-DCAC30B7B93D}" type="datetimeFigureOut">
               <a:rPr lang="en-US" smtClean="0"/>
-              <a:t>4/8/2024</a:t>
+              <a:t>11/6/2024</a:t>
             </a:fld>
             <a:endParaRPr lang="en-US"/>
           </a:p>
@@ -1492,7 +1492,7 @@
           <a:p>
             <a:fld id="{81B8F32D-D8B6-4B9E-9CBF-DCAC30B7B93D}" type="datetimeFigureOut">
               <a:rPr lang="en-US" smtClean="0"/>
-              <a:t>4/8/2024</a:t>
+              <a:t>11/6/2024</a:t>
             </a:fld>
             <a:endParaRPr lang="en-US"/>
           </a:p>
@@ -1710,7 +1710,7 @@
           <a:p>
             <a:fld id="{81B8F32D-D8B6-4B9E-9CBF-DCAC30B7B93D}" type="datetimeFigureOut">
               <a:rPr lang="en-US" smtClean="0"/>
-              <a:t>4/8/2024</a:t>
+              <a:t>11/6/2024</a:t>
             </a:fld>
             <a:endParaRPr lang="en-US"/>
           </a:p>
@@ -2069,7 +2069,7 @@
           <a:p>
             <a:fld id="{81B8F32D-D8B6-4B9E-9CBF-DCAC30B7B93D}" type="datetimeFigureOut">
               <a:rPr lang="en-US" smtClean="0"/>
-              <a:t>4/8/2024</a:t>
+              <a:t>11/6/2024</a:t>
             </a:fld>
             <a:endParaRPr lang="en-US"/>
           </a:p>
@@ -2549,7 +2549,7 @@
           <a:p>
             <a:fld id="{81B8F32D-D8B6-4B9E-9CBF-DCAC30B7B93D}" type="datetimeFigureOut">
               <a:rPr lang="en-US" smtClean="0"/>
-              <a:t>4/8/2024</a:t>
+              <a:t>11/6/2024</a:t>
             </a:fld>
             <a:endParaRPr lang="en-US"/>
           </a:p>
@@ -3093,7 +3093,7 @@
           <a:p>
             <a:fld id="{81B8F32D-D8B6-4B9E-9CBF-DCAC30B7B93D}" type="datetimeFigureOut">
               <a:rPr lang="en-US" smtClean="0"/>
-              <a:t>4/8/2024</a:t>
+              <a:t>11/6/2024</a:t>
             </a:fld>
             <a:endParaRPr lang="en-US"/>
           </a:p>
@@ -3321,7 +3321,7 @@
           <a:p>
             <a:fld id="{81B8F32D-D8B6-4B9E-9CBF-DCAC30B7B93D}" type="datetimeFigureOut">
               <a:rPr lang="en-US" smtClean="0"/>
-              <a:t>4/8/2024</a:t>
+              <a:t>11/6/2024</a:t>
             </a:fld>
             <a:endParaRPr lang="en-US"/>
           </a:p>
@@ -3538,7 +3538,7 @@
           <a:p>
             <a:fld id="{81B8F32D-D8B6-4B9E-9CBF-DCAC30B7B93D}" type="datetimeFigureOut">
               <a:rPr lang="en-US" smtClean="0"/>
-              <a:t>4/8/2024</a:t>
+              <a:t>11/6/2024</a:t>
             </a:fld>
             <a:endParaRPr lang="en-US"/>
           </a:p>
@@ -3878,7 +3878,7 @@
           <a:p>
             <a:fld id="{81B8F32D-D8B6-4B9E-9CBF-DCAC30B7B93D}" type="datetimeFigureOut">
               <a:rPr lang="en-US" smtClean="0"/>
-              <a:t>4/8/2024</a:t>
+              <a:t>11/6/2024</a:t>
             </a:fld>
             <a:endParaRPr lang="en-US"/>
           </a:p>
@@ -4198,7 +4198,7 @@
           <a:p>
             <a:fld id="{81B8F32D-D8B6-4B9E-9CBF-DCAC30B7B93D}" type="datetimeFigureOut">
               <a:rPr lang="en-US" smtClean="0"/>
-              <a:t>4/8/2024</a:t>
+              <a:t>11/6/2024</a:t>
             </a:fld>
             <a:endParaRPr lang="en-US"/>
           </a:p>
@@ -4450,7 +4450,7 @@
             <a:fld id="{81B8F32D-D8B6-4B9E-9CBF-DCAC30B7B93D}" type="datetimeFigureOut">
               <a:rPr lang="en-US" smtClean="0"/>
               <a:pPr/>
-              <a:t>4/8/2024</a:t>
+              <a:t>11/6/2024</a:t>
             </a:fld>
             <a:endParaRPr lang="en-US"/>
           </a:p>
@@ -5366,11 +5366,18 @@
               <a:buChar char="•"/>
             </a:pPr>
             <a:r>
+              <a:rPr lang="en-US">
+                <a:ea typeface="+mn-lt"/>
+                <a:cs typeface="+mn-lt"/>
+              </a:rPr>
+              <a:t>Pause </a:t>
+            </a:r>
+            <a:r>
               <a:rPr lang="en-US" dirty="0">
                 <a:ea typeface="+mn-lt"/>
                 <a:cs typeface="+mn-lt"/>
               </a:rPr>
-              <a:t>Stop selling </a:t>
+              <a:t>selling </a:t>
             </a:r>
             <a:r>
               <a:rPr lang="en-US" b="1" dirty="0">
@@ -5400,7 +5407,7 @@
               </a:rPr>
               <a:t>bikes offline.</a:t>
             </a:r>
-            <a:endParaRPr lang="en-US" b="1">
+            <a:endParaRPr lang="en-US" b="1" dirty="0">
               <a:ea typeface="+mn-lt"/>
               <a:cs typeface="+mn-lt"/>
             </a:endParaRPr>
@@ -5845,11 +5852,11 @@
   <p:clrMapOvr>
     <a:masterClrMapping/>
   </p:clrMapOvr>
-  <mc:AlternateContent xmlns:mc="http://schemas.openxmlformats.org/markup-compatibility/2006">
-    <mc:Choice xmlns:p14="http://schemas.microsoft.com/office/powerpoint/2010/main" Requires="p14">
+  <mc:AlternateContent xmlns:mc="http://schemas.openxmlformats.org/markup-compatibility/2006" xmlns:p14="http://schemas.microsoft.com/office/powerpoint/2010/main">
+    <mc:Choice Requires="p14">
       <p:transition p14:dur="0"/>
     </mc:Choice>
-    <mc:Fallback>
+    <mc:Fallback xmlns="">
       <p:transition/>
     </mc:Fallback>
   </mc:AlternateContent>
@@ -6937,11 +6944,11 @@
   <p:clrMapOvr>
     <a:masterClrMapping/>
   </p:clrMapOvr>
-  <mc:AlternateContent xmlns:mc="http://schemas.openxmlformats.org/markup-compatibility/2006">
-    <mc:Choice xmlns:p14="http://schemas.microsoft.com/office/powerpoint/2010/main" Requires="p14">
+  <mc:AlternateContent xmlns:mc="http://schemas.openxmlformats.org/markup-compatibility/2006" xmlns:p14="http://schemas.microsoft.com/office/powerpoint/2010/main">
+    <mc:Choice Requires="p14">
       <p:transition p14:dur="0"/>
     </mc:Choice>
-    <mc:Fallback>
+    <mc:Fallback xmlns="">
       <p:transition/>
     </mc:Fallback>
   </mc:AlternateContent>
